--- a/Laboratories/Lab4/Orbitals_Workshop.pptx
+++ b/Laboratories/Lab4/Orbitals_Workshop.pptx
@@ -222,7 +222,7 @@
             <a:fld id="{E5C71FD9-B322-2549-9400-AF0C57474107}" type="datetimeFigureOut">
               <a:rPr lang="en-US" smtClean="0"/>
               <a:pPr/>
-              <a:t>11/10/20</a:t>
+              <a:t>11/13/20</a:t>
             </a:fld>
             <a:endParaRPr lang="en-US"/>
           </a:p>
@@ -757,7 +757,7 @@
             <a:fld id="{A3417F39-3343-D34D-887C-91D887A1DE4F}" type="datetimeFigureOut">
               <a:rPr lang="en-US" smtClean="0"/>
               <a:pPr/>
-              <a:t>11/10/20</a:t>
+              <a:t>11/13/20</a:t>
             </a:fld>
             <a:endParaRPr lang="en-US"/>
           </a:p>
@@ -922,7 +922,7 @@
             <a:fld id="{A3417F39-3343-D34D-887C-91D887A1DE4F}" type="datetimeFigureOut">
               <a:rPr lang="en-US" smtClean="0"/>
               <a:pPr/>
-              <a:t>11/10/20</a:t>
+              <a:t>11/13/20</a:t>
             </a:fld>
             <a:endParaRPr lang="en-US"/>
           </a:p>
@@ -1097,7 +1097,7 @@
             <a:fld id="{A3417F39-3343-D34D-887C-91D887A1DE4F}" type="datetimeFigureOut">
               <a:rPr lang="en-US" smtClean="0"/>
               <a:pPr/>
-              <a:t>11/10/20</a:t>
+              <a:t>11/13/20</a:t>
             </a:fld>
             <a:endParaRPr lang="en-US"/>
           </a:p>
@@ -1262,7 +1262,7 @@
             <a:fld id="{A3417F39-3343-D34D-887C-91D887A1DE4F}" type="datetimeFigureOut">
               <a:rPr lang="en-US" smtClean="0"/>
               <a:pPr/>
-              <a:t>11/10/20</a:t>
+              <a:t>11/13/20</a:t>
             </a:fld>
             <a:endParaRPr lang="en-US"/>
           </a:p>
@@ -1504,7 +1504,7 @@
             <a:fld id="{A3417F39-3343-D34D-887C-91D887A1DE4F}" type="datetimeFigureOut">
               <a:rPr lang="en-US" smtClean="0"/>
               <a:pPr/>
-              <a:t>11/10/20</a:t>
+              <a:t>11/13/20</a:t>
             </a:fld>
             <a:endParaRPr lang="en-US"/>
           </a:p>
@@ -1786,7 +1786,7 @@
             <a:fld id="{A3417F39-3343-D34D-887C-91D887A1DE4F}" type="datetimeFigureOut">
               <a:rPr lang="en-US" smtClean="0"/>
               <a:pPr/>
-              <a:t>11/10/20</a:t>
+              <a:t>11/13/20</a:t>
             </a:fld>
             <a:endParaRPr lang="en-US"/>
           </a:p>
@@ -2202,7 +2202,7 @@
             <a:fld id="{A3417F39-3343-D34D-887C-91D887A1DE4F}" type="datetimeFigureOut">
               <a:rPr lang="en-US" smtClean="0"/>
               <a:pPr/>
-              <a:t>11/10/20</a:t>
+              <a:t>11/13/20</a:t>
             </a:fld>
             <a:endParaRPr lang="en-US"/>
           </a:p>
@@ -2316,7 +2316,7 @@
             <a:fld id="{A3417F39-3343-D34D-887C-91D887A1DE4F}" type="datetimeFigureOut">
               <a:rPr lang="en-US" smtClean="0"/>
               <a:pPr/>
-              <a:t>11/10/20</a:t>
+              <a:t>11/13/20</a:t>
             </a:fld>
             <a:endParaRPr lang="en-US"/>
           </a:p>
@@ -2408,7 +2408,7 @@
             <a:fld id="{A3417F39-3343-D34D-887C-91D887A1DE4F}" type="datetimeFigureOut">
               <a:rPr lang="en-US" smtClean="0"/>
               <a:pPr/>
-              <a:t>11/10/20</a:t>
+              <a:t>11/13/20</a:t>
             </a:fld>
             <a:endParaRPr lang="en-US"/>
           </a:p>
@@ -2680,7 +2680,7 @@
             <a:fld id="{A3417F39-3343-D34D-887C-91D887A1DE4F}" type="datetimeFigureOut">
               <a:rPr lang="en-US" smtClean="0"/>
               <a:pPr/>
-              <a:t>11/10/20</a:t>
+              <a:t>11/13/20</a:t>
             </a:fld>
             <a:endParaRPr lang="en-US"/>
           </a:p>
@@ -2929,7 +2929,7 @@
             <a:fld id="{A3417F39-3343-D34D-887C-91D887A1DE4F}" type="datetimeFigureOut">
               <a:rPr lang="en-US" smtClean="0"/>
               <a:pPr/>
-              <a:t>11/10/20</a:t>
+              <a:t>11/13/20</a:t>
             </a:fld>
             <a:endParaRPr lang="en-US"/>
           </a:p>
@@ -3137,7 +3137,7 @@
             <a:fld id="{A3417F39-3343-D34D-887C-91D887A1DE4F}" type="datetimeFigureOut">
               <a:rPr lang="en-US" smtClean="0"/>
               <a:pPr/>
-              <a:t>11/10/20</a:t>
+              <a:t>11/13/20</a:t>
             </a:fld>
             <a:endParaRPr lang="en-US"/>
           </a:p>
@@ -5180,7 +5180,7 @@
         <p:spPr>
           <a:xfrm>
             <a:off x="228600" y="3441003"/>
-            <a:ext cx="8839200" cy="1246495"/>
+            <a:ext cx="8839200" cy="1477328"/>
           </a:xfrm>
           <a:prstGeom prst="rect">
             <a:avLst/>
@@ -5432,6 +5432,78 @@
                 <a:cs typeface="Courier"/>
               </a:rPr>
               <a:t>doMC</a:t>
+            </a:r>
+            <a:r>
+              <a:rPr lang="en-US" sz="1500" dirty="0">
+                <a:solidFill>
+                  <a:srgbClr val="00B050"/>
+                </a:solidFill>
+                <a:latin typeface="Courier"/>
+                <a:cs typeface="Courier"/>
+              </a:rPr>
+              <a:t>"</a:t>
+            </a:r>
+            <a:r>
+              <a:rPr lang="en-US" sz="1500" dirty="0">
+                <a:solidFill>
+                  <a:schemeClr val="bg1"/>
+                </a:solidFill>
+                <a:latin typeface="Courier"/>
+                <a:cs typeface="Courier"/>
+              </a:rPr>
+              <a:t>)</a:t>
+            </a:r>
+            <a:r>
+              <a:rPr lang="en-US" sz="1500" dirty="0">
+                <a:solidFill>
+                  <a:srgbClr val="FFFF00"/>
+                </a:solidFill>
+                <a:latin typeface="Courier"/>
+                <a:cs typeface="Courier"/>
+              </a:rPr>
+              <a:t>          # To do some stuff in parallel</a:t>
+            </a:r>
+          </a:p>
+          <a:p>
+            <a:r>
+              <a:rPr lang="en-US" sz="1500" dirty="0" err="1">
+                <a:solidFill>
+                  <a:schemeClr val="bg1"/>
+                </a:solidFill>
+                <a:latin typeface="Courier"/>
+                <a:cs typeface="Courier"/>
+              </a:rPr>
+              <a:t>install.packages</a:t>
+            </a:r>
+            <a:r>
+              <a:rPr lang="en-US" sz="1500" dirty="0">
+                <a:solidFill>
+                  <a:schemeClr val="bg1"/>
+                </a:solidFill>
+                <a:latin typeface="Courier"/>
+                <a:cs typeface="Courier"/>
+              </a:rPr>
+              <a:t>(</a:t>
+            </a:r>
+            <a:r>
+              <a:rPr lang="en-US" sz="1500" dirty="0">
+                <a:solidFill>
+                  <a:srgbClr val="00B050"/>
+                </a:solidFill>
+                <a:latin typeface="Courier"/>
+                <a:cs typeface="Courier"/>
+              </a:rPr>
+              <a:t>"</a:t>
+            </a:r>
+            <a:r>
+              <a:rPr lang="en-US" sz="1500" dirty="0" err="1">
+                <a:solidFill>
+                  <a:srgbClr val="00B050"/>
+                </a:solidFill>
+                <a:latin typeface="Courier"/>
+                <a:cs typeface="Courier"/>
+              </a:rPr>
+              <a:t>doSNOW</a:t>
             </a:r>
             <a:r>
               <a:rPr lang="en-US" sz="1500" dirty="0">
@@ -6139,7 +6211,7 @@
                 <a:latin typeface="Courier"/>
                 <a:cs typeface="Courier"/>
               </a:rPr>
-              <a:t>sample.orbital.density.parallel</a:t>
+              <a:t>sample.orbital.density.ais.parallel</a:t>
             </a:r>
             <a:r>
               <a:rPr lang="en-US" sz="1200" dirty="0">
@@ -6194,14 +6266,14 @@
           </a:p>
           <a:p>
             <a:r>
-              <a:rPr lang="en-US" sz="1200" dirty="0">
-                <a:solidFill>
-                  <a:schemeClr val="bg1"/>
-                </a:solidFill>
-                <a:latin typeface="Courier"/>
-                <a:cs typeface="Courier"/>
-              </a:rPr>
-              <a:t>                                                   </a:t>
+              <a:rPr lang="en-US" sz="1200">
+                <a:solidFill>
+                  <a:schemeClr val="bg1"/>
+                </a:solidFill>
+                <a:latin typeface="Courier"/>
+                <a:cs typeface="Courier"/>
+              </a:rPr>
+              <a:t>                                                       </a:t>
             </a:r>
             <a:r>
               <a:rPr lang="en-US" sz="1200" dirty="0" err="1">
